--- a/پروژه قفل هوشمند نگار شرفی.pptx
+++ b/پروژه قفل هوشمند نگار شرفی.pptx
@@ -116,6 +116,11 @@
       </a:defRPr>
     </a:lvl9pPr>
   </p:defaultTextStyle>
+  <p:extLst>
+    <p:ext uri="{EFAFB233-063F-42B5-8137-9DF3F51BA10A}">
+      <p15:sldGuideLst xmlns:p15="http://schemas.microsoft.com/office/powerpoint/2012/main"/>
+    </p:ext>
+  </p:extLst>
 </p:presentation>
 </file>
 
@@ -621,7 +626,7 @@
           <a:p>
             <a:fld id="{9C57F777-D9BC-454A-A85F-277C01CFF5CC}" type="datetimeFigureOut">
               <a:rPr lang="en-US" smtClean="0"/>
-              <a:t>12/27/2023</a:t>
+              <a:t>12/29/2023</a:t>
             </a:fld>
             <a:endParaRPr lang="en-US"/>
           </a:p>
@@ -917,7 +922,7 @@
           <a:p>
             <a:fld id="{9C57F777-D9BC-454A-A85F-277C01CFF5CC}" type="datetimeFigureOut">
               <a:rPr lang="en-US" smtClean="0"/>
-              <a:t>12/27/2023</a:t>
+              <a:t>12/29/2023</a:t>
             </a:fld>
             <a:endParaRPr lang="en-US"/>
           </a:p>
@@ -1165,7 +1170,7 @@
           <a:p>
             <a:fld id="{9C57F777-D9BC-454A-A85F-277C01CFF5CC}" type="datetimeFigureOut">
               <a:rPr lang="en-US" smtClean="0"/>
-              <a:t>12/27/2023</a:t>
+              <a:t>12/29/2023</a:t>
             </a:fld>
             <a:endParaRPr lang="en-US"/>
           </a:p>
@@ -1705,7 +1710,7 @@
           <a:p>
             <a:fld id="{9C57F777-D9BC-454A-A85F-277C01CFF5CC}" type="datetimeFigureOut">
               <a:rPr lang="en-US" smtClean="0"/>
-              <a:t>12/27/2023</a:t>
+              <a:t>12/29/2023</a:t>
             </a:fld>
             <a:endParaRPr lang="en-US"/>
           </a:p>
@@ -1953,7 +1958,7 @@
           <a:p>
             <a:fld id="{9C57F777-D9BC-454A-A85F-277C01CFF5CC}" type="datetimeFigureOut">
               <a:rPr lang="en-US" smtClean="0"/>
-              <a:t>12/27/2023</a:t>
+              <a:t>12/29/2023</a:t>
             </a:fld>
             <a:endParaRPr lang="en-US"/>
           </a:p>
@@ -2485,7 +2490,7 @@
           <a:p>
             <a:fld id="{9C57F777-D9BC-454A-A85F-277C01CFF5CC}" type="datetimeFigureOut">
               <a:rPr lang="en-US" smtClean="0"/>
-              <a:t>12/27/2023</a:t>
+              <a:t>12/29/2023</a:t>
             </a:fld>
             <a:endParaRPr lang="en-US"/>
           </a:p>
@@ -2782,7 +2787,7 @@
           <a:p>
             <a:fld id="{9C57F777-D9BC-454A-A85F-277C01CFF5CC}" type="datetimeFigureOut">
               <a:rPr lang="en-US" smtClean="0"/>
-              <a:t>12/27/2023</a:t>
+              <a:t>12/29/2023</a:t>
             </a:fld>
             <a:endParaRPr lang="en-US"/>
           </a:p>
@@ -2956,7 +2961,7 @@
           <a:p>
             <a:fld id="{9C57F777-D9BC-454A-A85F-277C01CFF5CC}" type="datetimeFigureOut">
               <a:rPr lang="en-US" smtClean="0"/>
-              <a:t>12/27/2023</a:t>
+              <a:t>12/29/2023</a:t>
             </a:fld>
             <a:endParaRPr lang="en-US"/>
           </a:p>
@@ -3136,7 +3141,7 @@
           <a:p>
             <a:fld id="{9C57F777-D9BC-454A-A85F-277C01CFF5CC}" type="datetimeFigureOut">
               <a:rPr lang="en-US" smtClean="0"/>
-              <a:t>12/27/2023</a:t>
+              <a:t>12/29/2023</a:t>
             </a:fld>
             <a:endParaRPr lang="en-US"/>
           </a:p>
@@ -3306,7 +3311,7 @@
           <a:p>
             <a:fld id="{9C57F777-D9BC-454A-A85F-277C01CFF5CC}" type="datetimeFigureOut">
               <a:rPr lang="en-US" smtClean="0"/>
-              <a:t>12/27/2023</a:t>
+              <a:t>12/29/2023</a:t>
             </a:fld>
             <a:endParaRPr lang="en-US"/>
           </a:p>
@@ -3557,7 +3562,7 @@
           <a:p>
             <a:fld id="{9C57F777-D9BC-454A-A85F-277C01CFF5CC}" type="datetimeFigureOut">
               <a:rPr lang="en-US" smtClean="0"/>
-              <a:t>12/27/2023</a:t>
+              <a:t>12/29/2023</a:t>
             </a:fld>
             <a:endParaRPr lang="en-US"/>
           </a:p>
@@ -3854,7 +3859,7 @@
           <a:p>
             <a:fld id="{9C57F777-D9BC-454A-A85F-277C01CFF5CC}" type="datetimeFigureOut">
               <a:rPr lang="en-US" smtClean="0"/>
-              <a:t>12/27/2023</a:t>
+              <a:t>12/29/2023</a:t>
             </a:fld>
             <a:endParaRPr lang="en-US"/>
           </a:p>
@@ -4296,7 +4301,7 @@
           <a:p>
             <a:fld id="{9C57F777-D9BC-454A-A85F-277C01CFF5CC}" type="datetimeFigureOut">
               <a:rPr lang="en-US" smtClean="0"/>
-              <a:t>12/27/2023</a:t>
+              <a:t>12/29/2023</a:t>
             </a:fld>
             <a:endParaRPr lang="en-US"/>
           </a:p>
@@ -4414,7 +4419,7 @@
           <a:p>
             <a:fld id="{9C57F777-D9BC-454A-A85F-277C01CFF5CC}" type="datetimeFigureOut">
               <a:rPr lang="en-US" smtClean="0"/>
-              <a:t>12/27/2023</a:t>
+              <a:t>12/29/2023</a:t>
             </a:fld>
             <a:endParaRPr lang="en-US"/>
           </a:p>
@@ -4509,7 +4514,7 @@
           <a:p>
             <a:fld id="{9C57F777-D9BC-454A-A85F-277C01CFF5CC}" type="datetimeFigureOut">
               <a:rPr lang="en-US" smtClean="0"/>
-              <a:t>12/27/2023</a:t>
+              <a:t>12/29/2023</a:t>
             </a:fld>
             <a:endParaRPr lang="en-US"/>
           </a:p>
@@ -4792,7 +4797,7 @@
           <a:p>
             <a:fld id="{9C57F777-D9BC-454A-A85F-277C01CFF5CC}" type="datetimeFigureOut">
               <a:rPr lang="en-US" smtClean="0"/>
-              <a:t>12/27/2023</a:t>
+              <a:t>12/29/2023</a:t>
             </a:fld>
             <a:endParaRPr lang="en-US"/>
           </a:p>
@@ -5083,7 +5088,7 @@
           <a:p>
             <a:fld id="{9C57F777-D9BC-454A-A85F-277C01CFF5CC}" type="datetimeFigureOut">
               <a:rPr lang="en-US" smtClean="0"/>
-              <a:t>12/27/2023</a:t>
+              <a:t>12/29/2023</a:t>
             </a:fld>
             <a:endParaRPr lang="en-US"/>
           </a:p>
@@ -5613,7 +5618,7 @@
           <a:p>
             <a:fld id="{9C57F777-D9BC-454A-A85F-277C01CFF5CC}" type="datetimeFigureOut">
               <a:rPr lang="en-US" smtClean="0"/>
-              <a:t>12/27/2023</a:t>
+              <a:t>12/29/2023</a:t>
             </a:fld>
             <a:endParaRPr lang="en-US"/>
           </a:p>
@@ -6439,19 +6444,22 @@
         </p:nvSpPr>
         <p:spPr>
           <a:xfrm>
-            <a:off x="2977064" y="316346"/>
-            <a:ext cx="7261805" cy="976746"/>
+            <a:off x="9282544" y="0"/>
+            <a:ext cx="2909455" cy="976746"/>
           </a:xfrm>
         </p:spPr>
         <p:txBody>
           <a:bodyPr>
-            <a:normAutofit/>
+            <a:normAutofit fontScale="90000"/>
           </a:bodyPr>
           <a:lstStyle/>
           <a:p>
             <a:pPr rtl="1"/>
             <a:r>
-              <a:rPr lang="fa-IR" sz="2400" dirty="0" smtClean="0">
+              <a:rPr lang="fa-IR" sz="2400" b="1" i="1" dirty="0" smtClean="0">
+                <a:solidFill>
+                  <a:srgbClr val="FF0000"/>
+                </a:solidFill>
                 <a:effectLst>
                   <a:outerShdw blurRad="38100" dist="38100" dir="2700000" algn="tl">
                     <a:srgbClr val="000000">
@@ -6460,10 +6468,13 @@
                   </a:outerShdw>
                 </a:effectLst>
               </a:rPr>
-              <a:t>کد برنامه نویسی شده قفل هوشمند </a:t>
-            </a:r>
-            <a:r>
-              <a:rPr lang="en-US" sz="2400" dirty="0" err="1" smtClean="0">
+              <a:t>کد برنامه نویسی شده قفل هوشمند</a:t>
+            </a:r>
+            <a:r>
+              <a:rPr lang="en-US" sz="2400" b="1" i="1" dirty="0" smtClean="0">
+                <a:solidFill>
+                  <a:srgbClr val="FF0000"/>
+                </a:solidFill>
                 <a:effectLst>
                   <a:outerShdw blurRad="38100" dist="38100" dir="2700000" algn="tl">
                     <a:srgbClr val="000000">
@@ -6472,9 +6483,12 @@
                   </a:outerShdw>
                 </a:effectLst>
               </a:rPr>
-              <a:t>c++</a:t>
-            </a:r>
-            <a:endParaRPr lang="en-US" sz="2400" dirty="0">
+              <a:t>python</a:t>
+            </a:r>
+            <a:endParaRPr lang="en-US" sz="2400" b="1" i="1" dirty="0">
+              <a:solidFill>
+                <a:srgbClr val="FF0000"/>
+              </a:solidFill>
               <a:effectLst>
                 <a:outerShdw blurRad="38100" dist="38100" dir="2700000" algn="tl">
                   <a:srgbClr val="000000">
@@ -6488,20 +6502,14 @@
       </p:sp>
       <p:sp>
         <p:nvSpPr>
-          <p:cNvPr id="6" name="TextBox 2">
-            <a:extLst>
-              <a:ext uri="{FF2B5EF4-FFF2-40B4-BE49-F238E27FC236}">
-                <a16:creationId xmlns:a16="http://schemas.microsoft.com/office/drawing/2014/main" id="{08A3C7DB-B7E6-2314-F375-58FBBF5710F7}"/>
-              </a:ext>
-            </a:extLst>
-          </p:cNvPr>
+          <p:cNvPr id="4" name="TextBox 3"/>
           <p:cNvSpPr txBox="1"/>
           <p:nvPr/>
         </p:nvSpPr>
         <p:spPr>
           <a:xfrm>
-            <a:off x="2066149" y="1145163"/>
-            <a:ext cx="3958756" cy="5262979"/>
+            <a:off x="1764146" y="239083"/>
+            <a:ext cx="4184072" cy="6186309"/>
           </a:xfrm>
           <a:prstGeom prst="rect">
             <a:avLst/>
@@ -6512,804 +6520,343 @@
           <a:bodyPr wrap="square" rtlCol="0">
             <a:spAutoFit/>
           </a:bodyPr>
-          <a:lstStyle>
-            <a:defPPr marR="0" lvl="0" algn="l" rtl="0">
-              <a:lnSpc>
-                <a:spcPct val="100000"/>
-              </a:lnSpc>
-              <a:spcBef>
-                <a:spcPts val="0"/>
-              </a:spcBef>
-              <a:spcAft>
-                <a:spcPts val="0"/>
-              </a:spcAft>
-            </a:defPPr>
-            <a:lvl1pPr marR="0" lvl="0" algn="l" rtl="0">
-              <a:lnSpc>
-                <a:spcPct val="100000"/>
-              </a:lnSpc>
-              <a:spcBef>
-                <a:spcPts val="0"/>
-              </a:spcBef>
-              <a:spcAft>
-                <a:spcPts val="0"/>
-              </a:spcAft>
-              <a:buClr>
-                <a:srgbClr val="000000"/>
-              </a:buClr>
-              <a:buFont typeface="Arial"/>
-              <a:defRPr sz="1400" b="0" i="0" u="none" strike="noStrike" cap="none">
-                <a:solidFill>
-                  <a:srgbClr val="000000"/>
-                </a:solidFill>
-                <a:latin typeface="Arial"/>
-                <a:ea typeface="Arial"/>
-                <a:cs typeface="Arial"/>
-                <a:sym typeface="Arial"/>
-              </a:defRPr>
-            </a:lvl1pPr>
-            <a:lvl2pPr marR="0" lvl="1" algn="l" rtl="0">
-              <a:lnSpc>
-                <a:spcPct val="100000"/>
-              </a:lnSpc>
-              <a:spcBef>
-                <a:spcPts val="0"/>
-              </a:spcBef>
-              <a:spcAft>
-                <a:spcPts val="0"/>
-              </a:spcAft>
-              <a:buClr>
-                <a:srgbClr val="000000"/>
-              </a:buClr>
-              <a:buFont typeface="Arial"/>
-              <a:defRPr sz="1400" b="0" i="0" u="none" strike="noStrike" cap="none">
-                <a:solidFill>
-                  <a:srgbClr val="000000"/>
-                </a:solidFill>
-                <a:latin typeface="Arial"/>
-                <a:ea typeface="Arial"/>
-                <a:cs typeface="Arial"/>
-                <a:sym typeface="Arial"/>
-              </a:defRPr>
-            </a:lvl2pPr>
-            <a:lvl3pPr marR="0" lvl="2" algn="l" rtl="0">
-              <a:lnSpc>
-                <a:spcPct val="100000"/>
-              </a:lnSpc>
-              <a:spcBef>
-                <a:spcPts val="0"/>
-              </a:spcBef>
-              <a:spcAft>
-                <a:spcPts val="0"/>
-              </a:spcAft>
-              <a:buClr>
-                <a:srgbClr val="000000"/>
-              </a:buClr>
-              <a:buFont typeface="Arial"/>
-              <a:defRPr sz="1400" b="0" i="0" u="none" strike="noStrike" cap="none">
-                <a:solidFill>
-                  <a:srgbClr val="000000"/>
-                </a:solidFill>
-                <a:latin typeface="Arial"/>
-                <a:ea typeface="Arial"/>
-                <a:cs typeface="Arial"/>
-                <a:sym typeface="Arial"/>
-              </a:defRPr>
-            </a:lvl3pPr>
-            <a:lvl4pPr marR="0" lvl="3" algn="l" rtl="0">
-              <a:lnSpc>
-                <a:spcPct val="100000"/>
-              </a:lnSpc>
-              <a:spcBef>
-                <a:spcPts val="0"/>
-              </a:spcBef>
-              <a:spcAft>
-                <a:spcPts val="0"/>
-              </a:spcAft>
-              <a:buClr>
-                <a:srgbClr val="000000"/>
-              </a:buClr>
-              <a:buFont typeface="Arial"/>
-              <a:defRPr sz="1400" b="0" i="0" u="none" strike="noStrike" cap="none">
-                <a:solidFill>
-                  <a:srgbClr val="000000"/>
-                </a:solidFill>
-                <a:latin typeface="Arial"/>
-                <a:ea typeface="Arial"/>
-                <a:cs typeface="Arial"/>
-                <a:sym typeface="Arial"/>
-              </a:defRPr>
-            </a:lvl4pPr>
-            <a:lvl5pPr marR="0" lvl="4" algn="l" rtl="0">
-              <a:lnSpc>
-                <a:spcPct val="100000"/>
-              </a:lnSpc>
-              <a:spcBef>
-                <a:spcPts val="0"/>
-              </a:spcBef>
-              <a:spcAft>
-                <a:spcPts val="0"/>
-              </a:spcAft>
-              <a:buClr>
-                <a:srgbClr val="000000"/>
-              </a:buClr>
-              <a:buFont typeface="Arial"/>
-              <a:defRPr sz="1400" b="0" i="0" u="none" strike="noStrike" cap="none">
-                <a:solidFill>
-                  <a:srgbClr val="000000"/>
-                </a:solidFill>
-                <a:latin typeface="Arial"/>
-                <a:ea typeface="Arial"/>
-                <a:cs typeface="Arial"/>
-                <a:sym typeface="Arial"/>
-              </a:defRPr>
-            </a:lvl5pPr>
-            <a:lvl6pPr marR="0" lvl="5" algn="l" rtl="0">
-              <a:lnSpc>
-                <a:spcPct val="100000"/>
-              </a:lnSpc>
-              <a:spcBef>
-                <a:spcPts val="0"/>
-              </a:spcBef>
-              <a:spcAft>
-                <a:spcPts val="0"/>
-              </a:spcAft>
-              <a:buClr>
-                <a:srgbClr val="000000"/>
-              </a:buClr>
-              <a:buFont typeface="Arial"/>
-              <a:defRPr sz="1400" b="0" i="0" u="none" strike="noStrike" cap="none">
-                <a:solidFill>
-                  <a:srgbClr val="000000"/>
-                </a:solidFill>
-                <a:latin typeface="Arial"/>
-                <a:ea typeface="Arial"/>
-                <a:cs typeface="Arial"/>
-                <a:sym typeface="Arial"/>
-              </a:defRPr>
-            </a:lvl6pPr>
-            <a:lvl7pPr marR="0" lvl="6" algn="l" rtl="0">
-              <a:lnSpc>
-                <a:spcPct val="100000"/>
-              </a:lnSpc>
-              <a:spcBef>
-                <a:spcPts val="0"/>
-              </a:spcBef>
-              <a:spcAft>
-                <a:spcPts val="0"/>
-              </a:spcAft>
-              <a:buClr>
-                <a:srgbClr val="000000"/>
-              </a:buClr>
-              <a:buFont typeface="Arial"/>
-              <a:defRPr sz="1400" b="0" i="0" u="none" strike="noStrike" cap="none">
-                <a:solidFill>
-                  <a:srgbClr val="000000"/>
-                </a:solidFill>
-                <a:latin typeface="Arial"/>
-                <a:ea typeface="Arial"/>
-                <a:cs typeface="Arial"/>
-                <a:sym typeface="Arial"/>
-              </a:defRPr>
-            </a:lvl7pPr>
-            <a:lvl8pPr marR="0" lvl="7" algn="l" rtl="0">
-              <a:lnSpc>
-                <a:spcPct val="100000"/>
-              </a:lnSpc>
-              <a:spcBef>
-                <a:spcPts val="0"/>
-              </a:spcBef>
-              <a:spcAft>
-                <a:spcPts val="0"/>
-              </a:spcAft>
-              <a:buClr>
-                <a:srgbClr val="000000"/>
-              </a:buClr>
-              <a:buFont typeface="Arial"/>
-              <a:defRPr sz="1400" b="0" i="0" u="none" strike="noStrike" cap="none">
-                <a:solidFill>
-                  <a:srgbClr val="000000"/>
-                </a:solidFill>
-                <a:latin typeface="Arial"/>
-                <a:ea typeface="Arial"/>
-                <a:cs typeface="Arial"/>
-                <a:sym typeface="Arial"/>
-              </a:defRPr>
-            </a:lvl8pPr>
-            <a:lvl9pPr marR="0" lvl="8" algn="l" rtl="0">
-              <a:lnSpc>
-                <a:spcPct val="100000"/>
-              </a:lnSpc>
-              <a:spcBef>
-                <a:spcPts val="0"/>
-              </a:spcBef>
-              <a:spcAft>
-                <a:spcPts val="0"/>
-              </a:spcAft>
-              <a:buClr>
-                <a:srgbClr val="000000"/>
-              </a:buClr>
-              <a:buFont typeface="Arial"/>
-              <a:defRPr sz="1400" b="0" i="0" u="none" strike="noStrike" cap="none">
-                <a:solidFill>
-                  <a:srgbClr val="000000"/>
-                </a:solidFill>
-                <a:latin typeface="Arial"/>
-                <a:ea typeface="Arial"/>
-                <a:cs typeface="Arial"/>
-                <a:sym typeface="Arial"/>
-              </a:defRPr>
-            </a:lvl9pPr>
-          </a:lstStyle>
-          <a:p>
-            <a:r>
-              <a:rPr lang="en-US" sz="1600" b="0" i="0" u="none" strike="noStrike" dirty="0">
-                <a:solidFill>
-                  <a:schemeClr val="tx1"/>
-                </a:solidFill>
-                <a:effectLst/>
-                <a:latin typeface="IRANSans"/>
-                <a:hlinkClick r:id="rId2">
-                  <a:extLst>
-                    <a:ext uri="{A12FA001-AC4F-418D-AE19-62706E023703}">
-                      <ahyp:hlinkClr xmlns="" xmlns:ahyp="http://schemas.microsoft.com/office/drawing/2018/hyperlinkcolor" xmlns:lc="http://schemas.openxmlformats.org/drawingml/2006/lockedCanvas" val="tx"/>
-                    </a:ext>
-                  </a:extLst>
-                </a:hlinkClick>
-              </a:rPr>
-              <a:t>include</a:t>
-            </a:r>
-            <a:r>
-              <a:rPr lang="en-US" sz="1600" b="0" i="0" dirty="0">
-                <a:solidFill>
-                  <a:schemeClr val="tx1"/>
-                </a:solidFill>
-                <a:effectLst/>
-                <a:latin typeface="IRANSans"/>
-              </a:rPr>
-              <a:t> &lt;</a:t>
-            </a:r>
-            <a:r>
-              <a:rPr lang="en-US" sz="1600" b="0" i="0" dirty="0" err="1">
-                <a:solidFill>
-                  <a:schemeClr val="tx1"/>
-                </a:solidFill>
-                <a:effectLst/>
-                <a:latin typeface="IRANSans"/>
-              </a:rPr>
-              <a:t>Wire.h</a:t>
-            </a:r>
-            <a:r>
-              <a:rPr lang="en-US" sz="1600" b="0" i="0" dirty="0">
-                <a:solidFill>
-                  <a:schemeClr val="tx1"/>
-                </a:solidFill>
-                <a:effectLst/>
-                <a:latin typeface="IRANSans"/>
-              </a:rPr>
-              <a:t>&gt; </a:t>
-            </a:r>
-            <a:r>
-              <a:rPr lang="en-US" sz="1600" b="0" i="0" u="none" strike="noStrike" dirty="0">
-                <a:solidFill>
-                  <a:schemeClr val="tx1"/>
-                </a:solidFill>
-                <a:effectLst/>
-                <a:latin typeface="IRANSans"/>
-                <a:hlinkClick r:id="rId2">
-                  <a:extLst>
-                    <a:ext uri="{A12FA001-AC4F-418D-AE19-62706E023703}">
-                      <ahyp:hlinkClr xmlns="" xmlns:ahyp="http://schemas.microsoft.com/office/drawing/2018/hyperlinkcolor" xmlns:lc="http://schemas.openxmlformats.org/drawingml/2006/lockedCanvas" val="tx"/>
-                    </a:ext>
-                  </a:extLst>
-                </a:hlinkClick>
-              </a:rPr>
-              <a:t>#include</a:t>
-            </a:r>
-            <a:r>
-              <a:rPr lang="en-US" sz="1600" b="0" i="0" dirty="0">
-                <a:solidFill>
-                  <a:schemeClr val="tx1"/>
-                </a:solidFill>
-                <a:effectLst/>
-                <a:latin typeface="IRANSans"/>
-              </a:rPr>
+          <a:lstStyle/>
+          <a:p>
+            <a:r>
+              <a:rPr lang="fa-IR" sz="1100" b="1" dirty="0"/>
+              <a:t># تعریف وضعیت های ممکن</a:t>
+            </a:r>
+          </a:p>
+          <a:p>
+            <a:r>
+              <a:rPr lang="en-US" sz="1100" b="1" dirty="0"/>
+              <a:t>states = [</a:t>
+            </a:r>
+          </a:p>
+          <a:p>
+            <a:r>
+              <a:rPr lang="en-US" sz="1100" b="1" dirty="0"/>
+              <a:t>    {'name': 'S0', 'description': '</a:t>
+            </a:r>
+            <a:r>
+              <a:rPr lang="fa-IR" sz="1100" b="1" dirty="0"/>
+              <a:t>قفل باز و آماده به کار', '</a:t>
+            </a:r>
+            <a:r>
+              <a:rPr lang="en-US" sz="1100" b="1" dirty="0"/>
+              <a:t>actions': ['lock']},</a:t>
+            </a:r>
+          </a:p>
+          <a:p>
+            <a:r>
+              <a:rPr lang="en-US" sz="1100" b="1" dirty="0"/>
+              <a:t>    {'name': 'S1', 'description': '</a:t>
+            </a:r>
+            <a:r>
+              <a:rPr lang="fa-IR" sz="1100" b="1" dirty="0"/>
+              <a:t>کلید # فشرده شده', '</a:t>
+            </a:r>
+            <a:r>
+              <a:rPr lang="en-US" sz="1100" b="1" dirty="0"/>
+              <a:t>actions': ['unlock', 'alarm']},</a:t>
+            </a:r>
+          </a:p>
+          <a:p>
+            <a:r>
+              <a:rPr lang="en-US" sz="1100" b="1" dirty="0"/>
+              <a:t>    {'name': 'S2', 'description': '</a:t>
+            </a:r>
+            <a:r>
+              <a:rPr lang="fa-IR" sz="1100" b="1" dirty="0"/>
+              <a:t>کلید * فشرده شده', '</a:t>
+            </a:r>
+            <a:r>
+              <a:rPr lang="en-US" sz="1100" b="1" dirty="0"/>
+              <a:t>actions': ['</a:t>
+            </a:r>
+            <a:r>
+              <a:rPr lang="en-US" sz="1100" b="1" dirty="0" err="1"/>
+              <a:t>change_password</a:t>
+            </a:r>
+            <a:r>
+              <a:rPr lang="en-US" sz="1100" b="1" dirty="0"/>
+              <a:t>']},</a:t>
+            </a:r>
+          </a:p>
+          <a:p>
+            <a:r>
+              <a:rPr lang="en-US" sz="1100" b="1" dirty="0"/>
+              <a:t>    {'name': 'S3', 'description': '</a:t>
+            </a:r>
+            <a:r>
+              <a:rPr lang="fa-IR" sz="1100" b="1" dirty="0"/>
+              <a:t>رمز عبور صحیح است', '</a:t>
+            </a:r>
+            <a:r>
+              <a:rPr lang="en-US" sz="1100" b="1" dirty="0"/>
+              <a:t>actions': ['lock']},</a:t>
+            </a:r>
+          </a:p>
+          <a:p>
+            <a:r>
+              <a:rPr lang="en-US" sz="1100" b="1" dirty="0"/>
+              <a:t>    {'name': 'S4', 'description': '</a:t>
+            </a:r>
+            <a:r>
+              <a:rPr lang="fa-IR" sz="1100" b="1" dirty="0"/>
+              <a:t>رمز عبور اشتباه است', '</a:t>
+            </a:r>
+            <a:r>
+              <a:rPr lang="en-US" sz="1100" b="1" dirty="0"/>
+              <a:t>actions': ['alarm']}</a:t>
+            </a:r>
+          </a:p>
+          <a:p>
+            <a:r>
+              <a:rPr lang="en-US" sz="1100" b="1" dirty="0"/>
+              <a:t>]</a:t>
+            </a:r>
+          </a:p>
+          <a:p>
+            <a:endParaRPr lang="en-US" sz="1100" b="1" dirty="0"/>
+          </a:p>
+          <a:p>
+            <a:r>
+              <a:rPr lang="en-US" sz="1100" b="1" dirty="0"/>
+              <a:t># </a:t>
+            </a:r>
+            <a:r>
+              <a:rPr lang="fa-IR" sz="1100" b="1" dirty="0"/>
+              <a:t>تعریف تابع برای نمایش وضعیت فعلی و انجام عملیات مجاز</a:t>
+            </a:r>
+          </a:p>
+          <a:p>
+            <a:r>
+              <a:rPr lang="en-US" sz="1100" b="1" dirty="0" err="1"/>
+              <a:t>def</a:t>
+            </a:r>
+            <a:r>
+              <a:rPr lang="en-US" sz="1100" b="1" dirty="0"/>
               <a:t> </a:t>
             </a:r>
             <a:r>
-              <a:rPr lang="en-US" sz="1600" b="0" i="0" dirty="0" smtClean="0">
-                <a:solidFill>
-                  <a:schemeClr val="tx1"/>
-                </a:solidFill>
-                <a:effectLst/>
-                <a:latin typeface="IRANSans"/>
-              </a:rPr>
-              <a:t>&lt;</a:t>
-            </a:r>
-            <a:r>
-              <a:rPr lang="en-US" sz="1600" dirty="0" err="1" smtClean="0">
-                <a:solidFill>
-                  <a:schemeClr val="tx1"/>
-                </a:solidFill>
-                <a:latin typeface="IRANSans"/>
-              </a:rPr>
-              <a:t>yale</a:t>
-            </a:r>
-            <a:r>
-              <a:rPr lang="en-US" sz="1600" dirty="0" smtClean="0">
-                <a:solidFill>
-                  <a:schemeClr val="tx1"/>
-                </a:solidFill>
-                <a:latin typeface="IRANSans"/>
-              </a:rPr>
-              <a:t> </a:t>
-            </a:r>
-            <a:r>
-              <a:rPr lang="en-US" sz="1600" dirty="0" err="1" smtClean="0">
-                <a:solidFill>
-                  <a:schemeClr val="tx1"/>
-                </a:solidFill>
-                <a:latin typeface="IRANSans"/>
-              </a:rPr>
-              <a:t>assure</a:t>
-            </a:r>
-            <a:r>
-              <a:rPr lang="en-US" sz="1600" b="0" i="0" dirty="0" err="1" smtClean="0">
-                <a:solidFill>
-                  <a:schemeClr val="tx1"/>
-                </a:solidFill>
-                <a:effectLst/>
-                <a:latin typeface="IRANSans"/>
-              </a:rPr>
-              <a:t>.h</a:t>
-            </a:r>
-            <a:r>
-              <a:rPr lang="en-US" sz="1600" b="0" i="0" dirty="0">
-                <a:solidFill>
-                  <a:schemeClr val="tx1"/>
-                </a:solidFill>
-                <a:effectLst/>
-                <a:latin typeface="IRANSans"/>
-              </a:rPr>
-              <a:t>&gt; </a:t>
-            </a:r>
-            <a:r>
-              <a:rPr lang="en-US" sz="1600" b="0" i="0" dirty="0" err="1">
-                <a:solidFill>
-                  <a:schemeClr val="tx1"/>
-                </a:solidFill>
-                <a:effectLst/>
-                <a:latin typeface="IRANSans"/>
-              </a:rPr>
-              <a:t>Ultraloq</a:t>
-            </a:r>
-            <a:r>
-              <a:rPr lang="en-US" sz="1600" b="0" i="0" dirty="0">
-                <a:solidFill>
-                  <a:schemeClr val="tx1"/>
-                </a:solidFill>
-                <a:effectLst/>
-                <a:latin typeface="IRANSans"/>
-              </a:rPr>
-              <a:t> </a:t>
-            </a:r>
-            <a:r>
-              <a:rPr lang="en-US" sz="1600" b="0" i="0" dirty="0" err="1">
-                <a:solidFill>
-                  <a:schemeClr val="tx1"/>
-                </a:solidFill>
-                <a:effectLst/>
-                <a:latin typeface="IRANSans"/>
-              </a:rPr>
-              <a:t>uLock</a:t>
-            </a:r>
-            <a:r>
-              <a:rPr lang="en-US" sz="1600" b="0" i="0" dirty="0">
-                <a:solidFill>
-                  <a:schemeClr val="tx1"/>
-                </a:solidFill>
-                <a:effectLst/>
-                <a:latin typeface="IRANSans"/>
-              </a:rPr>
-              <a:t>;</a:t>
-            </a:r>
-            <a:endParaRPr lang="fa-IR" sz="1600" b="0" i="0" dirty="0">
-              <a:solidFill>
-                <a:schemeClr val="tx1"/>
-              </a:solidFill>
-              <a:effectLst/>
-              <a:latin typeface="IRANSans"/>
-            </a:endParaRPr>
-          </a:p>
-          <a:p>
-            <a:r>
-              <a:rPr lang="en-US" sz="1600" b="0" i="0" dirty="0">
-                <a:solidFill>
-                  <a:schemeClr val="tx1"/>
-                </a:solidFill>
-                <a:effectLst/>
-                <a:latin typeface="IRANSans"/>
-              </a:rPr>
-              <a:t> void setup() { </a:t>
-            </a:r>
-            <a:r>
-              <a:rPr lang="en-US" sz="1600" b="0" i="0" dirty="0" err="1">
-                <a:solidFill>
-                  <a:schemeClr val="tx1"/>
-                </a:solidFill>
-                <a:effectLst/>
-                <a:latin typeface="IRANSans"/>
-              </a:rPr>
-              <a:t>Serial.begin</a:t>
-            </a:r>
-            <a:r>
-              <a:rPr lang="en-US" sz="1600" b="0" i="0" dirty="0">
-                <a:solidFill>
-                  <a:schemeClr val="tx1"/>
-                </a:solidFill>
-                <a:effectLst/>
-                <a:latin typeface="IRANSans"/>
-              </a:rPr>
-              <a:t>(115200); </a:t>
-            </a:r>
-            <a:r>
-              <a:rPr lang="en-US" sz="1600" b="0" i="0" dirty="0" err="1">
-                <a:solidFill>
-                  <a:schemeClr val="tx1"/>
-                </a:solidFill>
-                <a:effectLst/>
-                <a:latin typeface="IRANSans"/>
-              </a:rPr>
-              <a:t>Wire.begin</a:t>
-            </a:r>
-            <a:r>
-              <a:rPr lang="en-US" sz="1600" b="0" i="0" dirty="0">
-                <a:solidFill>
-                  <a:schemeClr val="tx1"/>
-                </a:solidFill>
-                <a:effectLst/>
-                <a:latin typeface="IRANSans"/>
-              </a:rPr>
-              <a:t>(); </a:t>
-            </a:r>
-            <a:r>
-              <a:rPr lang="en-US" sz="1600" b="0" i="0" dirty="0" err="1">
-                <a:solidFill>
-                  <a:schemeClr val="tx1"/>
-                </a:solidFill>
-                <a:effectLst/>
-                <a:latin typeface="IRANSans"/>
-              </a:rPr>
-              <a:t>uLock.init</a:t>
-            </a:r>
-            <a:r>
-              <a:rPr lang="en-US" sz="1600" b="0" i="0" dirty="0">
-                <a:solidFill>
-                  <a:schemeClr val="tx1"/>
-                </a:solidFill>
-                <a:effectLst/>
-                <a:latin typeface="IRANSans"/>
-              </a:rPr>
-              <a:t>(); } void loop() { </a:t>
-            </a:r>
-            <a:r>
-              <a:rPr lang="en-US" sz="1600" b="0" i="0" dirty="0" err="1">
-                <a:solidFill>
-                  <a:schemeClr val="tx1"/>
-                </a:solidFill>
-                <a:effectLst/>
-                <a:latin typeface="IRANSans"/>
-              </a:rPr>
-              <a:t>uLock.poll</a:t>
-            </a:r>
-            <a:r>
-              <a:rPr lang="en-US" sz="1600" b="0" i="0" dirty="0">
-                <a:solidFill>
-                  <a:schemeClr val="tx1"/>
-                </a:solidFill>
-                <a:effectLst/>
-                <a:latin typeface="IRANSans"/>
-              </a:rPr>
-              <a:t>(); if (</a:t>
-            </a:r>
-            <a:r>
-              <a:rPr lang="en-US" sz="1600" b="0" i="0" dirty="0" err="1">
-                <a:solidFill>
-                  <a:schemeClr val="tx1"/>
-                </a:solidFill>
-                <a:effectLst/>
-                <a:latin typeface="IRANSans"/>
-              </a:rPr>
-              <a:t>uLock.isLocked</a:t>
-            </a:r>
-            <a:r>
-              <a:rPr lang="en-US" sz="1600" b="0" i="0" dirty="0">
-                <a:solidFill>
-                  <a:schemeClr val="tx1"/>
-                </a:solidFill>
-                <a:effectLst/>
-                <a:latin typeface="IRANSans"/>
-              </a:rPr>
-              <a:t>()) { </a:t>
-            </a:r>
-            <a:r>
-              <a:rPr lang="en-US" sz="1600" b="0" i="0" dirty="0" err="1">
-                <a:solidFill>
-                  <a:schemeClr val="tx1"/>
-                </a:solidFill>
-                <a:effectLst/>
-                <a:latin typeface="IRANSans"/>
-              </a:rPr>
-              <a:t>Serial.println</a:t>
-            </a:r>
-            <a:r>
-              <a:rPr lang="en-US" sz="1600" b="0" i="0" dirty="0">
-                <a:solidFill>
-                  <a:schemeClr val="tx1"/>
-                </a:solidFill>
-                <a:effectLst/>
-                <a:latin typeface="IRANSans"/>
-              </a:rPr>
-              <a:t>("The lock is currently locked."); } else { </a:t>
-            </a:r>
-            <a:r>
-              <a:rPr lang="en-US" sz="1600" b="0" i="0" dirty="0" err="1">
-                <a:solidFill>
-                  <a:schemeClr val="tx1"/>
-                </a:solidFill>
-                <a:effectLst/>
-                <a:latin typeface="IRANSans"/>
-              </a:rPr>
-              <a:t>Serial.println</a:t>
-            </a:r>
-            <a:r>
-              <a:rPr lang="en-US" sz="1600" b="0" i="0" dirty="0">
-                <a:solidFill>
-                  <a:schemeClr val="tx1"/>
-                </a:solidFill>
-                <a:effectLst/>
-                <a:latin typeface="IRANSans"/>
-              </a:rPr>
-              <a:t>("The lock is currently unlocked."); }</a:t>
-            </a:r>
-            <a:endParaRPr lang="fa-IR" sz="1600" b="0" i="0" dirty="0">
-              <a:solidFill>
-                <a:schemeClr val="tx1"/>
-              </a:solidFill>
-              <a:effectLst/>
-              <a:latin typeface="IRANSans"/>
-            </a:endParaRPr>
-          </a:p>
-          <a:p>
-            <a:r>
-              <a:rPr lang="en-US" sz="1600" b="0" i="0" dirty="0">
-                <a:solidFill>
-                  <a:schemeClr val="tx1"/>
-                </a:solidFill>
-                <a:effectLst/>
-                <a:latin typeface="IRANSans"/>
-              </a:rPr>
-              <a:t>if (</a:t>
-            </a:r>
-            <a:r>
-              <a:rPr lang="en-US" sz="1600" b="0" i="0" dirty="0" err="1">
-                <a:solidFill>
-                  <a:schemeClr val="tx1"/>
-                </a:solidFill>
-                <a:effectLst/>
-                <a:latin typeface="IRANSans"/>
-              </a:rPr>
-              <a:t>uLock.isAutoLockEnabled</a:t>
-            </a:r>
-            <a:r>
-              <a:rPr lang="en-US" sz="1600" b="0" i="0" dirty="0">
-                <a:solidFill>
-                  <a:schemeClr val="tx1"/>
-                </a:solidFill>
-                <a:effectLst/>
-                <a:latin typeface="IRANSans"/>
-              </a:rPr>
-              <a:t>()) { </a:t>
-            </a:r>
-            <a:r>
-              <a:rPr lang="en-US" sz="1600" b="0" i="0" dirty="0" err="1">
-                <a:solidFill>
-                  <a:schemeClr val="tx1"/>
-                </a:solidFill>
-                <a:effectLst/>
-                <a:latin typeface="IRANSans"/>
-              </a:rPr>
-              <a:t>Serial.println</a:t>
-            </a:r>
-            <a:r>
-              <a:rPr lang="en-US" sz="1600" b="0" i="0" dirty="0">
-                <a:solidFill>
-                  <a:schemeClr val="tx1"/>
-                </a:solidFill>
-                <a:effectLst/>
-                <a:latin typeface="IRANSans"/>
-              </a:rPr>
-              <a:t>("Auto lock is enabled."); } else { </a:t>
-            </a:r>
-            <a:r>
-              <a:rPr lang="en-US" sz="1600" b="0" i="0" dirty="0" err="1">
-                <a:solidFill>
-                  <a:schemeClr val="tx1"/>
-                </a:solidFill>
-                <a:effectLst/>
-                <a:latin typeface="IRANSans"/>
-              </a:rPr>
-              <a:t>Serial.println</a:t>
-            </a:r>
-            <a:r>
-              <a:rPr lang="en-US" sz="1600" b="0" i="0" dirty="0">
-                <a:solidFill>
-                  <a:schemeClr val="tx1"/>
-                </a:solidFill>
-                <a:effectLst/>
-                <a:latin typeface="IRANSans"/>
-              </a:rPr>
-              <a:t>("Auto lock is disabled."); } if (</a:t>
-            </a:r>
-            <a:r>
-              <a:rPr lang="en-US" sz="1600" b="0" i="0" dirty="0" err="1">
-                <a:solidFill>
-                  <a:schemeClr val="tx1"/>
-                </a:solidFill>
-                <a:effectLst/>
-                <a:latin typeface="IRANSans"/>
-              </a:rPr>
-              <a:t>uLock.isPassageModeEnabled</a:t>
-            </a:r>
-            <a:r>
-              <a:rPr lang="en-US" sz="1600" b="0" i="0" dirty="0">
-                <a:solidFill>
-                  <a:schemeClr val="tx1"/>
-                </a:solidFill>
-                <a:effectLst/>
-                <a:latin typeface="IRANSans"/>
-              </a:rPr>
-              <a:t>()) { </a:t>
-            </a:r>
-            <a:r>
-              <a:rPr lang="en-US" sz="1600" b="0" i="0" dirty="0" err="1">
-                <a:solidFill>
-                  <a:schemeClr val="tx1"/>
-                </a:solidFill>
-                <a:effectLst/>
-                <a:latin typeface="IRANSans"/>
-              </a:rPr>
-              <a:t>Serial.println</a:t>
-            </a:r>
-            <a:r>
-              <a:rPr lang="en-US" sz="1600" b="0" i="0" dirty="0">
-                <a:solidFill>
-                  <a:schemeClr val="tx1"/>
-                </a:solidFill>
-                <a:effectLst/>
-                <a:latin typeface="IRANSans"/>
-              </a:rPr>
-              <a:t>("Passage mode is enabled."); } else { </a:t>
-            </a:r>
-            <a:r>
-              <a:rPr lang="en-US" sz="1600" b="0" i="0" dirty="0" err="1">
-                <a:solidFill>
-                  <a:schemeClr val="tx1"/>
-                </a:solidFill>
-                <a:effectLst/>
-                <a:latin typeface="IRANSans"/>
-              </a:rPr>
-              <a:t>Serial.println</a:t>
-            </a:r>
-            <a:r>
-              <a:rPr lang="en-US" sz="1600" b="0" i="0" dirty="0">
-                <a:solidFill>
-                  <a:schemeClr val="tx1"/>
-                </a:solidFill>
-                <a:effectLst/>
-                <a:latin typeface="IRANSans"/>
-              </a:rPr>
-              <a:t>("Passage mode is disabled."); } if (</a:t>
-            </a:r>
-            <a:r>
-              <a:rPr lang="en-US" sz="1600" b="0" i="0" dirty="0" err="1">
-                <a:solidFill>
-                  <a:schemeClr val="tx1"/>
-                </a:solidFill>
-                <a:effectLst/>
-                <a:latin typeface="IRANSans"/>
-              </a:rPr>
-              <a:t>uLock.isDoubleVerificationEnabled</a:t>
-            </a:r>
-            <a:r>
-              <a:rPr lang="en-US" sz="1600" b="0" i="0" dirty="0">
-                <a:solidFill>
-                  <a:schemeClr val="tx1"/>
-                </a:solidFill>
-                <a:effectLst/>
-                <a:latin typeface="IRANSans"/>
-              </a:rPr>
-              <a:t>()) { </a:t>
-            </a:r>
-            <a:r>
-              <a:rPr lang="en-US" sz="1600" b="0" i="0" dirty="0" err="1">
-                <a:solidFill>
-                  <a:schemeClr val="tx1"/>
-                </a:solidFill>
-                <a:effectLst/>
-                <a:latin typeface="IRANSans"/>
-              </a:rPr>
-              <a:t>Serial.println</a:t>
-            </a:r>
-            <a:r>
-              <a:rPr lang="en-US" sz="1600" b="0" i="0" dirty="0">
-                <a:solidFill>
-                  <a:schemeClr val="tx1"/>
-                </a:solidFill>
-                <a:effectLst/>
-                <a:latin typeface="IRANSans"/>
-              </a:rPr>
-              <a:t>("Double verification is enabled."); } else { </a:t>
-            </a:r>
-            <a:r>
-              <a:rPr lang="en-US" sz="1600" b="0" i="0" dirty="0" err="1">
-                <a:solidFill>
-                  <a:schemeClr val="tx1"/>
-                </a:solidFill>
-                <a:effectLst/>
-                <a:latin typeface="IRANSans"/>
-              </a:rPr>
-              <a:t>Serial.println</a:t>
-            </a:r>
-            <a:r>
-              <a:rPr lang="en-US" sz="1600" b="0" i="0" dirty="0">
-                <a:solidFill>
-                  <a:schemeClr val="tx1"/>
-                </a:solidFill>
-                <a:effectLst/>
-                <a:latin typeface="IRANSans"/>
-              </a:rPr>
-              <a:t>("Double verification is disabled."); } </a:t>
-            </a:r>
-            <a:r>
-              <a:rPr lang="en-US" sz="1600" dirty="0">
-                <a:solidFill>
-                  <a:schemeClr val="tx1"/>
-                </a:solidFill>
-              </a:rPr>
-              <a:t/>
-            </a:r>
-            <a:br>
-              <a:rPr lang="en-US" sz="1600" dirty="0">
-                <a:solidFill>
-                  <a:schemeClr val="tx1"/>
-                </a:solidFill>
-              </a:rPr>
-            </a:br>
-            <a:endParaRPr lang="en-US" sz="1600" dirty="0">
-              <a:solidFill>
-                <a:schemeClr val="tx1"/>
-              </a:solidFill>
-            </a:endParaRPr>
-          </a:p>
-        </p:txBody>
-      </p:sp>
-      <p:sp>
-        <p:nvSpPr>
-          <p:cNvPr id="7" name="TextBox 4">
-            <a:extLst>
-              <a:ext uri="{FF2B5EF4-FFF2-40B4-BE49-F238E27FC236}">
-                <a16:creationId xmlns:a16="http://schemas.microsoft.com/office/drawing/2014/main" id="{9D28D93D-01FF-08F1-2A93-A73F63F68021}"/>
-              </a:ext>
-            </a:extLst>
-          </p:cNvPr>
+              <a:rPr lang="en-US" sz="1100" b="1" dirty="0" err="1"/>
+              <a:t>show_state</a:t>
+            </a:r>
+            <a:r>
+              <a:rPr lang="en-US" sz="1100" b="1" dirty="0"/>
+              <a:t>(state):</a:t>
+            </a:r>
+          </a:p>
+          <a:p>
+            <a:r>
+              <a:rPr lang="en-US" sz="1100" b="1" dirty="0"/>
+              <a:t>    print(state['description'])</a:t>
+            </a:r>
+          </a:p>
+          <a:p>
+            <a:r>
+              <a:rPr lang="en-US" sz="1100" b="1" dirty="0"/>
+              <a:t>    print('</a:t>
+            </a:r>
+            <a:r>
+              <a:rPr lang="fa-IR" sz="1100" b="1" dirty="0"/>
+              <a:t>عملیات مجاز: ', </a:t>
+            </a:r>
+            <a:r>
+              <a:rPr lang="en-US" sz="1100" b="1" dirty="0"/>
+              <a:t>state['actions'])</a:t>
+            </a:r>
+          </a:p>
+          <a:p>
+            <a:endParaRPr lang="en-US" sz="1100" b="1" dirty="0"/>
+          </a:p>
+          <a:p>
+            <a:r>
+              <a:rPr lang="en-US" sz="1100" b="1" dirty="0"/>
+              <a:t># </a:t>
+            </a:r>
+            <a:r>
+              <a:rPr lang="fa-IR" sz="1100" b="1" dirty="0"/>
+              <a:t>تعریف متغیرهای اولیه</a:t>
+            </a:r>
+          </a:p>
+          <a:p>
+            <a:r>
+              <a:rPr lang="en-US" sz="1100" b="1" dirty="0" err="1"/>
+              <a:t>current_state</a:t>
+            </a:r>
+            <a:r>
+              <a:rPr lang="en-US" sz="1100" b="1" dirty="0"/>
+              <a:t> = states[0]</a:t>
+            </a:r>
+          </a:p>
+          <a:p>
+            <a:r>
+              <a:rPr lang="en-US" sz="1100" b="1" dirty="0"/>
+              <a:t>password = "1234"</a:t>
+            </a:r>
+          </a:p>
+          <a:p>
+            <a:r>
+              <a:rPr lang="en-US" sz="1100" b="1" dirty="0" err="1"/>
+              <a:t>entered_password</a:t>
+            </a:r>
+            <a:r>
+              <a:rPr lang="en-US" sz="1100" b="1" dirty="0"/>
+              <a:t> = ""</a:t>
+            </a:r>
+          </a:p>
+          <a:p>
+            <a:endParaRPr lang="en-US" sz="1100" b="1" dirty="0"/>
+          </a:p>
+          <a:p>
+            <a:r>
+              <a:rPr lang="en-US" sz="1100" b="1" dirty="0"/>
+              <a:t># </a:t>
+            </a:r>
+            <a:r>
+              <a:rPr lang="fa-IR" sz="1100" b="1" dirty="0"/>
+              <a:t>شروع حلقه برای تلاش درست کردن رمز عبور</a:t>
+            </a:r>
+          </a:p>
+          <a:p>
+            <a:r>
+              <a:rPr lang="en-US" sz="1100" b="1" dirty="0"/>
+              <a:t>while True:</a:t>
+            </a:r>
+          </a:p>
+          <a:p>
+            <a:r>
+              <a:rPr lang="en-US" sz="1100" b="1" dirty="0"/>
+              <a:t>    # </a:t>
+            </a:r>
+            <a:r>
+              <a:rPr lang="fa-IR" sz="1100" b="1" dirty="0"/>
+              <a:t>نمایش وضعیت فعلی و انجام عملیات مجاز</a:t>
+            </a:r>
+          </a:p>
+          <a:p>
+            <a:r>
+              <a:rPr lang="fa-IR" sz="1100" b="1" dirty="0"/>
+              <a:t>    </a:t>
+            </a:r>
+            <a:r>
+              <a:rPr lang="en-US" sz="1100" b="1" dirty="0" err="1"/>
+              <a:t>show_state</a:t>
+            </a:r>
+            <a:r>
+              <a:rPr lang="en-US" sz="1100" b="1" dirty="0"/>
+              <a:t>(</a:t>
+            </a:r>
+            <a:r>
+              <a:rPr lang="en-US" sz="1100" b="1" dirty="0" err="1"/>
+              <a:t>current_state</a:t>
+            </a:r>
+            <a:r>
+              <a:rPr lang="en-US" sz="1100" b="1" dirty="0"/>
+              <a:t>)</a:t>
+            </a:r>
+          </a:p>
+          <a:p>
+            <a:endParaRPr lang="en-US" sz="1100" b="1" dirty="0"/>
+          </a:p>
+          <a:p>
+            <a:r>
+              <a:rPr lang="en-US" sz="1100" b="1" dirty="0"/>
+              <a:t>    # </a:t>
+            </a:r>
+            <a:r>
+              <a:rPr lang="fa-IR" sz="1100" b="1" dirty="0"/>
+              <a:t>دریافت ورودی از کاربر</a:t>
+            </a:r>
+          </a:p>
+          <a:p>
+            <a:r>
+              <a:rPr lang="fa-IR" sz="1100" b="1" dirty="0"/>
+              <a:t>    </a:t>
+            </a:r>
+            <a:r>
+              <a:rPr lang="en-US" sz="1100" b="1" dirty="0" err="1"/>
+              <a:t>user_input</a:t>
+            </a:r>
+            <a:r>
+              <a:rPr lang="en-US" sz="1100" b="1" dirty="0"/>
+              <a:t> = input("</a:t>
+            </a:r>
+            <a:r>
+              <a:rPr lang="fa-IR" sz="1100" b="1" dirty="0"/>
+              <a:t>لطفاً یک کلید را فشار دهید: ")</a:t>
+            </a:r>
+          </a:p>
+          <a:p>
+            <a:endParaRPr lang="fa-IR" sz="1100" b="1" dirty="0"/>
+          </a:p>
+          <a:p>
+            <a:r>
+              <a:rPr lang="fa-IR" sz="1100" b="1" dirty="0"/>
+              <a:t>    # بررسی صحت ورودی</a:t>
+            </a:r>
+          </a:p>
+          <a:p>
+            <a:r>
+              <a:rPr lang="fa-IR" sz="1100" b="1" dirty="0"/>
+              <a:t>    </a:t>
+            </a:r>
+            <a:r>
+              <a:rPr lang="en-US" sz="1100" b="1" dirty="0"/>
+              <a:t>if </a:t>
+            </a:r>
+            <a:r>
+              <a:rPr lang="en-US" sz="1100" b="1" dirty="0" err="1"/>
+              <a:t>user_input</a:t>
+            </a:r>
+            <a:r>
+              <a:rPr lang="en-US" sz="1100" b="1" dirty="0"/>
+              <a:t> == '#':</a:t>
+            </a:r>
+          </a:p>
+          <a:p>
+            <a:r>
+              <a:rPr lang="en-US" sz="1100" b="1" dirty="0"/>
+              <a:t>        if </a:t>
+            </a:r>
+            <a:r>
+              <a:rPr lang="en-US" sz="1100" b="1" dirty="0" err="1"/>
+              <a:t>current_state</a:t>
+            </a:r>
+            <a:r>
+              <a:rPr lang="en-US" sz="1100" b="1" dirty="0"/>
+              <a:t> == states[0]:</a:t>
+            </a:r>
+          </a:p>
+          <a:p>
+            <a:r>
+              <a:rPr lang="en-US" sz="1100" b="1" dirty="0"/>
+              <a:t>            print("</a:t>
+            </a:r>
+            <a:r>
+              <a:rPr lang="fa-IR" sz="1100" b="1" dirty="0"/>
+              <a:t>قفل هم اکنون باز است</a:t>
+            </a:r>
+            <a:r>
+              <a:rPr lang="fa-IR" sz="1100" b="1" dirty="0" smtClean="0"/>
+              <a:t>.")</a:t>
+            </a:r>
+            <a:endParaRPr lang="fa-IR" sz="1100" b="1" dirty="0"/>
+          </a:p>
+        </p:txBody>
+      </p:sp>
+      <p:sp>
+        <p:nvSpPr>
+          <p:cNvPr id="7" name="TextBox 6"/>
           <p:cNvSpPr txBox="1"/>
           <p:nvPr/>
         </p:nvSpPr>
         <p:spPr>
           <a:xfrm>
-            <a:off x="6542707" y="1237528"/>
-            <a:ext cx="4744130" cy="4524315"/>
+            <a:off x="6954981" y="1424023"/>
+            <a:ext cx="3509819" cy="5001369"/>
           </a:xfrm>
           <a:prstGeom prst="rect">
             <a:avLst/>
@@ -7320,531 +6867,352 @@
           <a:bodyPr wrap="square" rtlCol="0">
             <a:spAutoFit/>
           </a:bodyPr>
-          <a:lstStyle>
-            <a:defPPr marR="0" lvl="0" algn="l" rtl="0">
-              <a:lnSpc>
-                <a:spcPct val="100000"/>
-              </a:lnSpc>
-              <a:spcBef>
-                <a:spcPts val="0"/>
-              </a:spcBef>
-              <a:spcAft>
-                <a:spcPts val="0"/>
-              </a:spcAft>
-            </a:defPPr>
-            <a:lvl1pPr marR="0" lvl="0" algn="l" rtl="0">
-              <a:lnSpc>
-                <a:spcPct val="100000"/>
-              </a:lnSpc>
-              <a:spcBef>
-                <a:spcPts val="0"/>
-              </a:spcBef>
-              <a:spcAft>
-                <a:spcPts val="0"/>
-              </a:spcAft>
-              <a:buClr>
-                <a:srgbClr val="000000"/>
-              </a:buClr>
-              <a:buFont typeface="Arial"/>
-              <a:defRPr sz="1400" b="0" i="0" u="none" strike="noStrike" cap="none">
-                <a:solidFill>
-                  <a:srgbClr val="000000"/>
-                </a:solidFill>
-                <a:latin typeface="Arial"/>
-                <a:ea typeface="Arial"/>
-                <a:cs typeface="Arial"/>
-                <a:sym typeface="Arial"/>
-              </a:defRPr>
-            </a:lvl1pPr>
-            <a:lvl2pPr marR="0" lvl="1" algn="l" rtl="0">
-              <a:lnSpc>
-                <a:spcPct val="100000"/>
-              </a:lnSpc>
-              <a:spcBef>
-                <a:spcPts val="0"/>
-              </a:spcBef>
-              <a:spcAft>
-                <a:spcPts val="0"/>
-              </a:spcAft>
-              <a:buClr>
-                <a:srgbClr val="000000"/>
-              </a:buClr>
-              <a:buFont typeface="Arial"/>
-              <a:defRPr sz="1400" b="0" i="0" u="none" strike="noStrike" cap="none">
-                <a:solidFill>
-                  <a:srgbClr val="000000"/>
-                </a:solidFill>
-                <a:latin typeface="Arial"/>
-                <a:ea typeface="Arial"/>
-                <a:cs typeface="Arial"/>
-                <a:sym typeface="Arial"/>
-              </a:defRPr>
-            </a:lvl2pPr>
-            <a:lvl3pPr marR="0" lvl="2" algn="l" rtl="0">
-              <a:lnSpc>
-                <a:spcPct val="100000"/>
-              </a:lnSpc>
-              <a:spcBef>
-                <a:spcPts val="0"/>
-              </a:spcBef>
-              <a:spcAft>
-                <a:spcPts val="0"/>
-              </a:spcAft>
-              <a:buClr>
-                <a:srgbClr val="000000"/>
-              </a:buClr>
-              <a:buFont typeface="Arial"/>
-              <a:defRPr sz="1400" b="0" i="0" u="none" strike="noStrike" cap="none">
-                <a:solidFill>
-                  <a:srgbClr val="000000"/>
-                </a:solidFill>
-                <a:latin typeface="Arial"/>
-                <a:ea typeface="Arial"/>
-                <a:cs typeface="Arial"/>
-                <a:sym typeface="Arial"/>
-              </a:defRPr>
-            </a:lvl3pPr>
-            <a:lvl4pPr marR="0" lvl="3" algn="l" rtl="0">
-              <a:lnSpc>
-                <a:spcPct val="100000"/>
-              </a:lnSpc>
-              <a:spcBef>
-                <a:spcPts val="0"/>
-              </a:spcBef>
-              <a:spcAft>
-                <a:spcPts val="0"/>
-              </a:spcAft>
-              <a:buClr>
-                <a:srgbClr val="000000"/>
-              </a:buClr>
-              <a:buFont typeface="Arial"/>
-              <a:defRPr sz="1400" b="0" i="0" u="none" strike="noStrike" cap="none">
-                <a:solidFill>
-                  <a:srgbClr val="000000"/>
-                </a:solidFill>
-                <a:latin typeface="Arial"/>
-                <a:ea typeface="Arial"/>
-                <a:cs typeface="Arial"/>
-                <a:sym typeface="Arial"/>
-              </a:defRPr>
-            </a:lvl4pPr>
-            <a:lvl5pPr marR="0" lvl="4" algn="l" rtl="0">
-              <a:lnSpc>
-                <a:spcPct val="100000"/>
-              </a:lnSpc>
-              <a:spcBef>
-                <a:spcPts val="0"/>
-              </a:spcBef>
-              <a:spcAft>
-                <a:spcPts val="0"/>
-              </a:spcAft>
-              <a:buClr>
-                <a:srgbClr val="000000"/>
-              </a:buClr>
-              <a:buFont typeface="Arial"/>
-              <a:defRPr sz="1400" b="0" i="0" u="none" strike="noStrike" cap="none">
-                <a:solidFill>
-                  <a:srgbClr val="000000"/>
-                </a:solidFill>
-                <a:latin typeface="Arial"/>
-                <a:ea typeface="Arial"/>
-                <a:cs typeface="Arial"/>
-                <a:sym typeface="Arial"/>
-              </a:defRPr>
-            </a:lvl5pPr>
-            <a:lvl6pPr marR="0" lvl="5" algn="l" rtl="0">
-              <a:lnSpc>
-                <a:spcPct val="100000"/>
-              </a:lnSpc>
-              <a:spcBef>
-                <a:spcPts val="0"/>
-              </a:spcBef>
-              <a:spcAft>
-                <a:spcPts val="0"/>
-              </a:spcAft>
-              <a:buClr>
-                <a:srgbClr val="000000"/>
-              </a:buClr>
-              <a:buFont typeface="Arial"/>
-              <a:defRPr sz="1400" b="0" i="0" u="none" strike="noStrike" cap="none">
-                <a:solidFill>
-                  <a:srgbClr val="000000"/>
-                </a:solidFill>
-                <a:latin typeface="Arial"/>
-                <a:ea typeface="Arial"/>
-                <a:cs typeface="Arial"/>
-                <a:sym typeface="Arial"/>
-              </a:defRPr>
-            </a:lvl6pPr>
-            <a:lvl7pPr marR="0" lvl="6" algn="l" rtl="0">
-              <a:lnSpc>
-                <a:spcPct val="100000"/>
-              </a:lnSpc>
-              <a:spcBef>
-                <a:spcPts val="0"/>
-              </a:spcBef>
-              <a:spcAft>
-                <a:spcPts val="0"/>
-              </a:spcAft>
-              <a:buClr>
-                <a:srgbClr val="000000"/>
-              </a:buClr>
-              <a:buFont typeface="Arial"/>
-              <a:defRPr sz="1400" b="0" i="0" u="none" strike="noStrike" cap="none">
-                <a:solidFill>
-                  <a:srgbClr val="000000"/>
-                </a:solidFill>
-                <a:latin typeface="Arial"/>
-                <a:ea typeface="Arial"/>
-                <a:cs typeface="Arial"/>
-                <a:sym typeface="Arial"/>
-              </a:defRPr>
-            </a:lvl7pPr>
-            <a:lvl8pPr marR="0" lvl="7" algn="l" rtl="0">
-              <a:lnSpc>
-                <a:spcPct val="100000"/>
-              </a:lnSpc>
-              <a:spcBef>
-                <a:spcPts val="0"/>
-              </a:spcBef>
-              <a:spcAft>
-                <a:spcPts val="0"/>
-              </a:spcAft>
-              <a:buClr>
-                <a:srgbClr val="000000"/>
-              </a:buClr>
-              <a:buFont typeface="Arial"/>
-              <a:defRPr sz="1400" b="0" i="0" u="none" strike="noStrike" cap="none">
-                <a:solidFill>
-                  <a:srgbClr val="000000"/>
-                </a:solidFill>
-                <a:latin typeface="Arial"/>
-                <a:ea typeface="Arial"/>
-                <a:cs typeface="Arial"/>
-                <a:sym typeface="Arial"/>
-              </a:defRPr>
-            </a:lvl8pPr>
-            <a:lvl9pPr marR="0" lvl="8" algn="l" rtl="0">
-              <a:lnSpc>
-                <a:spcPct val="100000"/>
-              </a:lnSpc>
-              <a:spcBef>
-                <a:spcPts val="0"/>
-              </a:spcBef>
-              <a:spcAft>
-                <a:spcPts val="0"/>
-              </a:spcAft>
-              <a:buClr>
-                <a:srgbClr val="000000"/>
-              </a:buClr>
-              <a:buFont typeface="Arial"/>
-              <a:defRPr sz="1400" b="0" i="0" u="none" strike="noStrike" cap="none">
-                <a:solidFill>
-                  <a:srgbClr val="000000"/>
-                </a:solidFill>
-                <a:latin typeface="Arial"/>
-                <a:ea typeface="Arial"/>
-                <a:cs typeface="Arial"/>
-                <a:sym typeface="Arial"/>
-              </a:defRPr>
-            </a:lvl9pPr>
-          </a:lstStyle>
-          <a:p>
-            <a:r>
-              <a:rPr lang="en-US" sz="1800" b="0" i="0" dirty="0">
-                <a:solidFill>
-                  <a:schemeClr val="tx1"/>
-                </a:solidFill>
-                <a:effectLst/>
-                <a:latin typeface="IRANSans"/>
-              </a:rPr>
-              <a:t>if (</a:t>
-            </a:r>
-            <a:r>
-              <a:rPr lang="en-US" sz="1800" b="0" i="0" dirty="0" err="1">
-                <a:solidFill>
-                  <a:schemeClr val="tx1"/>
-                </a:solidFill>
-                <a:effectLst/>
-                <a:latin typeface="IRANSans"/>
-              </a:rPr>
-              <a:t>uLock.isAutoUnlockEnabled</a:t>
-            </a:r>
-            <a:r>
-              <a:rPr lang="en-US" sz="1800" b="0" i="0" dirty="0">
-                <a:solidFill>
-                  <a:schemeClr val="tx1"/>
-                </a:solidFill>
-                <a:effectLst/>
-                <a:latin typeface="IRANSans"/>
-              </a:rPr>
-              <a:t>()) { </a:t>
-            </a:r>
-            <a:r>
-              <a:rPr lang="en-US" sz="1800" b="0" i="0" dirty="0" err="1">
-                <a:solidFill>
-                  <a:schemeClr val="tx1"/>
-                </a:solidFill>
-                <a:effectLst/>
-                <a:latin typeface="IRANSans"/>
-              </a:rPr>
-              <a:t>Serial.println</a:t>
-            </a:r>
-            <a:r>
-              <a:rPr lang="en-US" sz="1800" b="0" i="0" dirty="0">
-                <a:solidFill>
-                  <a:schemeClr val="tx1"/>
-                </a:solidFill>
-                <a:effectLst/>
-                <a:latin typeface="IRANSans"/>
-              </a:rPr>
-              <a:t>("Auto unlock is enabled."); } else { </a:t>
-            </a:r>
-            <a:r>
-              <a:rPr lang="en-US" sz="1800" b="0" i="0" dirty="0" err="1">
-                <a:solidFill>
-                  <a:schemeClr val="tx1"/>
-                </a:solidFill>
-                <a:effectLst/>
-                <a:latin typeface="IRANSans"/>
-              </a:rPr>
-              <a:t>Serial.println</a:t>
-            </a:r>
-            <a:r>
-              <a:rPr lang="en-US" sz="1800" b="0" i="0" dirty="0">
-                <a:solidFill>
-                  <a:schemeClr val="tx1"/>
-                </a:solidFill>
-                <a:effectLst/>
-                <a:latin typeface="IRANSans"/>
-              </a:rPr>
-              <a:t>("Auto unlock is disabled."); } if (</a:t>
-            </a:r>
-            <a:r>
-              <a:rPr lang="en-US" sz="1800" b="0" i="0" dirty="0" err="1">
-                <a:solidFill>
-                  <a:schemeClr val="tx1"/>
-                </a:solidFill>
-                <a:effectLst/>
-                <a:latin typeface="IRANSans"/>
-              </a:rPr>
-              <a:t>uLock.isPrivacyLockoutEnabled</a:t>
-            </a:r>
-            <a:r>
-              <a:rPr lang="en-US" sz="1800" b="0" i="0" dirty="0">
-                <a:solidFill>
-                  <a:schemeClr val="tx1"/>
-                </a:solidFill>
-                <a:effectLst/>
-                <a:latin typeface="IRANSans"/>
-              </a:rPr>
-              <a:t>()) { </a:t>
-            </a:r>
-            <a:r>
-              <a:rPr lang="en-US" sz="1800" b="0" i="0" dirty="0" err="1">
-                <a:solidFill>
-                  <a:schemeClr val="tx1"/>
-                </a:solidFill>
-                <a:effectLst/>
-                <a:latin typeface="IRANSans"/>
-              </a:rPr>
-              <a:t>Serial.println</a:t>
-            </a:r>
-            <a:r>
-              <a:rPr lang="en-US" sz="1800" b="0" i="0" dirty="0">
-                <a:solidFill>
-                  <a:schemeClr val="tx1"/>
-                </a:solidFill>
-                <a:effectLst/>
-                <a:latin typeface="IRANSans"/>
-              </a:rPr>
-              <a:t>("Privacy lockout is enabled."); } else { </a:t>
-            </a:r>
-            <a:r>
-              <a:rPr lang="en-US" sz="1800" b="0" i="0" dirty="0" err="1">
-                <a:solidFill>
-                  <a:schemeClr val="tx1"/>
-                </a:solidFill>
-                <a:effectLst/>
-                <a:latin typeface="IRANSans"/>
-              </a:rPr>
-              <a:t>Serial.println</a:t>
-            </a:r>
-            <a:r>
-              <a:rPr lang="en-US" sz="1800" b="0" i="0" dirty="0">
-                <a:solidFill>
-                  <a:schemeClr val="tx1"/>
-                </a:solidFill>
-                <a:effectLst/>
-                <a:latin typeface="IRANSans"/>
-              </a:rPr>
-              <a:t>("Privacy lockout is disabled."); } if (</a:t>
-            </a:r>
-            <a:r>
-              <a:rPr lang="en-US" sz="1800" b="0" i="0" dirty="0" err="1">
-                <a:solidFill>
-                  <a:schemeClr val="tx1"/>
-                </a:solidFill>
-                <a:effectLst/>
-                <a:latin typeface="IRANSans"/>
-              </a:rPr>
-              <a:t>uLock.isTimezoneModeEnabled</a:t>
-            </a:r>
-            <a:r>
-              <a:rPr lang="en-US" sz="1800" b="0" i="0" dirty="0">
-                <a:solidFill>
-                  <a:schemeClr val="tx1"/>
-                </a:solidFill>
-                <a:effectLst/>
-                <a:latin typeface="IRANSans"/>
-              </a:rPr>
-              <a:t>()) { </a:t>
-            </a:r>
-            <a:r>
-              <a:rPr lang="en-US" sz="1800" b="0" i="0" dirty="0" err="1">
-                <a:solidFill>
-                  <a:schemeClr val="tx1"/>
-                </a:solidFill>
-                <a:effectLst/>
-                <a:latin typeface="IRANSans"/>
-              </a:rPr>
-              <a:t>Serial.println</a:t>
-            </a:r>
-            <a:r>
-              <a:rPr lang="en-US" sz="1800" b="0" i="0" dirty="0">
-                <a:solidFill>
-                  <a:schemeClr val="tx1"/>
-                </a:solidFill>
-                <a:effectLst/>
-                <a:latin typeface="IRANSans"/>
-              </a:rPr>
-              <a:t>("</a:t>
-            </a:r>
-            <a:r>
-              <a:rPr lang="en-US" sz="1800" b="0" i="0" dirty="0" err="1">
-                <a:solidFill>
-                  <a:schemeClr val="tx1"/>
-                </a:solidFill>
-                <a:effectLst/>
-                <a:latin typeface="IRANSans"/>
-              </a:rPr>
-              <a:t>Timezone</a:t>
-            </a:r>
-            <a:r>
-              <a:rPr lang="en-US" sz="1800" b="0" i="0" dirty="0">
-                <a:solidFill>
-                  <a:schemeClr val="tx1"/>
-                </a:solidFill>
-                <a:effectLst/>
-                <a:latin typeface="IRANSans"/>
-              </a:rPr>
-              <a:t> mode is enabled."); } else { </a:t>
-            </a:r>
-            <a:r>
-              <a:rPr lang="en-US" sz="1800" b="0" i="0" dirty="0" err="1">
-                <a:solidFill>
-                  <a:schemeClr val="tx1"/>
-                </a:solidFill>
-                <a:effectLst/>
-                <a:latin typeface="IRANSans"/>
-              </a:rPr>
-              <a:t>Serial.println</a:t>
-            </a:r>
-            <a:r>
-              <a:rPr lang="en-US" sz="1800" b="0" i="0" dirty="0">
-                <a:solidFill>
-                  <a:schemeClr val="tx1"/>
-                </a:solidFill>
-                <a:effectLst/>
-                <a:latin typeface="IRANSans"/>
-              </a:rPr>
-              <a:t>("</a:t>
-            </a:r>
-            <a:r>
-              <a:rPr lang="en-US" sz="1800" b="0" i="0" dirty="0" err="1">
-                <a:solidFill>
-                  <a:schemeClr val="tx1"/>
-                </a:solidFill>
-                <a:effectLst/>
-                <a:latin typeface="IRANSans"/>
-              </a:rPr>
-              <a:t>Timezone</a:t>
-            </a:r>
-            <a:r>
-              <a:rPr lang="en-US" sz="1800" b="0" i="0" dirty="0">
-                <a:solidFill>
-                  <a:schemeClr val="tx1"/>
-                </a:solidFill>
-                <a:effectLst/>
-                <a:latin typeface="IRANSans"/>
-              </a:rPr>
-              <a:t> mode is disabled."); } if (</a:t>
-            </a:r>
-            <a:r>
-              <a:rPr lang="en-US" sz="1800" b="0" i="0" dirty="0" err="1">
-                <a:solidFill>
-                  <a:schemeClr val="tx1"/>
-                </a:solidFill>
-                <a:effectLst/>
-                <a:latin typeface="IRANSans"/>
-              </a:rPr>
-              <a:t>uLock.isEmergencyOverrideEnabled</a:t>
-            </a:r>
-            <a:r>
-              <a:rPr lang="en-US" sz="1800" b="0" i="0" dirty="0">
-                <a:solidFill>
-                  <a:schemeClr val="tx1"/>
-                </a:solidFill>
-                <a:effectLst/>
-                <a:latin typeface="IRANSans"/>
-              </a:rPr>
-              <a:t>()) { </a:t>
-            </a:r>
-            <a:r>
-              <a:rPr lang="en-US" sz="1800" b="0" i="0" dirty="0" err="1">
-                <a:solidFill>
-                  <a:schemeClr val="tx1"/>
-                </a:solidFill>
-                <a:effectLst/>
-                <a:latin typeface="IRANSans"/>
-              </a:rPr>
-              <a:t>Serial.println</a:t>
-            </a:r>
-            <a:r>
-              <a:rPr lang="en-US" sz="1800" b="0" i="0" dirty="0">
-                <a:solidFill>
-                  <a:schemeClr val="tx1"/>
-                </a:solidFill>
-                <a:effectLst/>
-                <a:latin typeface="IRANSans"/>
-              </a:rPr>
-              <a:t>("Emergency override is enabled."); } else { </a:t>
-            </a:r>
-            <a:r>
-              <a:rPr lang="en-US" sz="1800" b="0" i="0" dirty="0" err="1">
-                <a:solidFill>
-                  <a:schemeClr val="tx1"/>
-                </a:solidFill>
-                <a:effectLst/>
-                <a:latin typeface="IRANSans"/>
-              </a:rPr>
-              <a:t>Serial.println</a:t>
-            </a:r>
-            <a:r>
-              <a:rPr lang="en-US" sz="1800" b="0" i="0" dirty="0">
-                <a:solidFill>
-                  <a:schemeClr val="tx1"/>
-                </a:solidFill>
-                <a:effectLst/>
-                <a:latin typeface="IRANSans"/>
-              </a:rPr>
-              <a:t>("Emergency override is disabled."); } delay(1000); }</a:t>
-            </a:r>
-            <a:endParaRPr lang="en-US" sz="1800" dirty="0">
-              <a:solidFill>
-                <a:schemeClr val="tx1"/>
-              </a:solidFill>
-            </a:endParaRPr>
+          <a:lstStyle/>
+          <a:p>
+            <a:r>
+              <a:rPr lang="fa-IR" sz="1100" b="1" dirty="0"/>
+              <a:t> </a:t>
+            </a:r>
+            <a:r>
+              <a:rPr lang="en-US" sz="1100" b="1" dirty="0"/>
+              <a:t>else:</a:t>
+            </a:r>
+          </a:p>
+          <a:p>
+            <a:r>
+              <a:rPr lang="en-US" sz="1100" b="1" dirty="0"/>
+              <a:t>            </a:t>
+            </a:r>
+            <a:r>
+              <a:rPr lang="en-US" sz="1100" b="1" dirty="0" err="1"/>
+              <a:t>current_state</a:t>
+            </a:r>
+            <a:r>
+              <a:rPr lang="en-US" sz="1100" b="1" dirty="0"/>
+              <a:t> = states[2]</a:t>
+            </a:r>
+          </a:p>
+          <a:p>
+            <a:r>
+              <a:rPr lang="en-US" sz="1100" b="1" dirty="0"/>
+              <a:t>    </a:t>
+            </a:r>
+            <a:r>
+              <a:rPr lang="en-US" sz="1100" b="1" dirty="0" err="1"/>
+              <a:t>elif</a:t>
+            </a:r>
+            <a:r>
+              <a:rPr lang="en-US" sz="1100" b="1" dirty="0"/>
+              <a:t> </a:t>
+            </a:r>
+            <a:r>
+              <a:rPr lang="en-US" sz="1100" b="1" dirty="0" err="1"/>
+              <a:t>user_input.isdigit</a:t>
+            </a:r>
+            <a:r>
+              <a:rPr lang="en-US" sz="1100" b="1" dirty="0"/>
+              <a:t>():</a:t>
+            </a:r>
+          </a:p>
+          <a:p>
+            <a:r>
+              <a:rPr lang="en-US" sz="1100" b="1" dirty="0"/>
+              <a:t>        if </a:t>
+            </a:r>
+            <a:r>
+              <a:rPr lang="en-US" sz="1100" b="1" dirty="0" err="1"/>
+              <a:t>current_state</a:t>
+            </a:r>
+            <a:r>
+              <a:rPr lang="en-US" sz="1100" b="1" dirty="0"/>
+              <a:t> == states[0]:</a:t>
+            </a:r>
+          </a:p>
+          <a:p>
+            <a:r>
+              <a:rPr lang="en-US" sz="1100" b="1" dirty="0"/>
+              <a:t>            print("</a:t>
+            </a:r>
+            <a:r>
+              <a:rPr lang="fa-IR" sz="1100" b="1" dirty="0"/>
+              <a:t>ابتدا باید قفل را باز کنید.")</a:t>
+            </a:r>
+          </a:p>
+          <a:p>
+            <a:r>
+              <a:rPr lang="fa-IR" sz="1100" b="1" dirty="0"/>
+              <a:t>        </a:t>
+            </a:r>
+            <a:r>
+              <a:rPr lang="en-US" sz="1100" b="1" dirty="0" err="1"/>
+              <a:t>elif</a:t>
+            </a:r>
+            <a:r>
+              <a:rPr lang="en-US" sz="1100" b="1" dirty="0"/>
+              <a:t> </a:t>
+            </a:r>
+            <a:r>
+              <a:rPr lang="en-US" sz="1100" b="1" dirty="0" err="1"/>
+              <a:t>current_state</a:t>
+            </a:r>
+            <a:r>
+              <a:rPr lang="en-US" sz="1100" b="1" dirty="0"/>
+              <a:t> == states[1]:</a:t>
+            </a:r>
+          </a:p>
+          <a:p>
+            <a:r>
+              <a:rPr lang="en-US" sz="1100" b="1" dirty="0"/>
+              <a:t>            if </a:t>
+            </a:r>
+            <a:r>
+              <a:rPr lang="en-US" sz="1100" b="1" dirty="0" err="1"/>
+              <a:t>entered_password</a:t>
+            </a:r>
+            <a:r>
+              <a:rPr lang="en-US" sz="1100" b="1" dirty="0"/>
+              <a:t> + </a:t>
+            </a:r>
+            <a:r>
+              <a:rPr lang="en-US" sz="1100" b="1" dirty="0" err="1"/>
+              <a:t>user_input</a:t>
+            </a:r>
+            <a:r>
+              <a:rPr lang="en-US" sz="1100" b="1" dirty="0"/>
+              <a:t> == password:</a:t>
+            </a:r>
+          </a:p>
+          <a:p>
+            <a:r>
+              <a:rPr lang="en-US" sz="1100" b="1" dirty="0"/>
+              <a:t>                </a:t>
+            </a:r>
+            <a:r>
+              <a:rPr lang="en-US" sz="1100" b="1" dirty="0" err="1"/>
+              <a:t>entered_password</a:t>
+            </a:r>
+            <a:r>
+              <a:rPr lang="en-US" sz="1100" b="1" dirty="0"/>
+              <a:t> = ""</a:t>
+            </a:r>
+          </a:p>
+          <a:p>
+            <a:r>
+              <a:rPr lang="en-US" sz="1100" b="1" dirty="0"/>
+              <a:t>                </a:t>
+            </a:r>
+            <a:r>
+              <a:rPr lang="en-US" sz="1100" b="1" dirty="0" err="1"/>
+              <a:t>current_state</a:t>
+            </a:r>
+            <a:r>
+              <a:rPr lang="en-US" sz="1100" b="1" dirty="0"/>
+              <a:t> = states[3]</a:t>
+            </a:r>
+          </a:p>
+          <a:p>
+            <a:r>
+              <a:rPr lang="en-US" sz="1100" b="1" dirty="0"/>
+              <a:t>            else:</a:t>
+            </a:r>
+          </a:p>
+          <a:p>
+            <a:r>
+              <a:rPr lang="en-US" sz="1100" b="1" dirty="0"/>
+              <a:t>                </a:t>
+            </a:r>
+            <a:r>
+              <a:rPr lang="en-US" sz="1100" b="1" dirty="0" err="1"/>
+              <a:t>entered_password</a:t>
+            </a:r>
+            <a:r>
+              <a:rPr lang="en-US" sz="1100" b="1" dirty="0"/>
+              <a:t> = ""</a:t>
+            </a:r>
+          </a:p>
+          <a:p>
+            <a:r>
+              <a:rPr lang="en-US" sz="1100" b="1" dirty="0"/>
+              <a:t>                </a:t>
+            </a:r>
+            <a:r>
+              <a:rPr lang="en-US" sz="1100" b="1" dirty="0" err="1"/>
+              <a:t>current_state</a:t>
+            </a:r>
+            <a:r>
+              <a:rPr lang="en-US" sz="1100" b="1" dirty="0"/>
+              <a:t> = states[4]</a:t>
+            </a:r>
+          </a:p>
+          <a:p>
+            <a:r>
+              <a:rPr lang="en-US" sz="1100" b="1" dirty="0"/>
+              <a:t>        </a:t>
+            </a:r>
+            <a:r>
+              <a:rPr lang="en-US" sz="1100" b="1" dirty="0" err="1"/>
+              <a:t>elif</a:t>
+            </a:r>
+            <a:r>
+              <a:rPr lang="en-US" sz="1100" b="1" dirty="0"/>
+              <a:t> </a:t>
+            </a:r>
+            <a:r>
+              <a:rPr lang="en-US" sz="1100" b="1" dirty="0" err="1"/>
+              <a:t>current_state</a:t>
+            </a:r>
+            <a:r>
+              <a:rPr lang="en-US" sz="1100" b="1" dirty="0"/>
+              <a:t> == states[2]:</a:t>
+            </a:r>
+          </a:p>
+          <a:p>
+            <a:r>
+              <a:rPr lang="en-US" sz="1100" b="1" dirty="0"/>
+              <a:t>            password = </a:t>
+            </a:r>
+            <a:r>
+              <a:rPr lang="en-US" sz="1100" b="1" dirty="0" err="1"/>
+              <a:t>user_input</a:t>
+            </a:r>
+            <a:endParaRPr lang="en-US" sz="1100" b="1" dirty="0"/>
+          </a:p>
+          <a:p>
+            <a:r>
+              <a:rPr lang="en-US" sz="1100" b="1" dirty="0"/>
+              <a:t>            </a:t>
+            </a:r>
+            <a:r>
+              <a:rPr lang="en-US" sz="1100" b="1" dirty="0" err="1"/>
+              <a:t>current_state</a:t>
+            </a:r>
+            <a:r>
+              <a:rPr lang="en-US" sz="1100" b="1" dirty="0"/>
+              <a:t> = states[0]</a:t>
+            </a:r>
+          </a:p>
+          <a:p>
+            <a:r>
+              <a:rPr lang="en-US" sz="1100" b="1" dirty="0"/>
+              <a:t>    else:</a:t>
+            </a:r>
+          </a:p>
+          <a:p>
+            <a:r>
+              <a:rPr lang="en-US" sz="1100" b="1" dirty="0"/>
+              <a:t>        print("</a:t>
+            </a:r>
+            <a:r>
+              <a:rPr lang="fa-IR" sz="1100" b="1" dirty="0"/>
+              <a:t>ورودی نامعتبر است.")</a:t>
+            </a:r>
+          </a:p>
+          <a:p>
+            <a:endParaRPr lang="fa-IR" sz="1100" b="1" dirty="0"/>
+          </a:p>
+          <a:p>
+            <a:r>
+              <a:rPr lang="fa-IR" sz="1100" b="1" dirty="0"/>
+              <a:t>    # بررسی وضعیت برای خاتمه حلقه</a:t>
+            </a:r>
+          </a:p>
+          <a:p>
+            <a:r>
+              <a:rPr lang="fa-IR" sz="1100" b="1" dirty="0"/>
+              <a:t>    </a:t>
+            </a:r>
+            <a:r>
+              <a:rPr lang="en-US" sz="1100" b="1" dirty="0"/>
+              <a:t>if </a:t>
+            </a:r>
+            <a:r>
+              <a:rPr lang="en-US" sz="1100" b="1" dirty="0" err="1"/>
+              <a:t>current_state</a:t>
+            </a:r>
+            <a:r>
+              <a:rPr lang="en-US" sz="1100" b="1" dirty="0"/>
+              <a:t> == states[0] or </a:t>
+            </a:r>
+            <a:r>
+              <a:rPr lang="en-US" sz="1100" b="1" dirty="0" err="1"/>
+              <a:t>current_state</a:t>
+            </a:r>
+            <a:r>
+              <a:rPr lang="en-US" sz="1100" b="1" dirty="0"/>
+              <a:t> == states[4]:</a:t>
+            </a:r>
+          </a:p>
+          <a:p>
+            <a:r>
+              <a:rPr lang="en-US" sz="1100" b="1" dirty="0"/>
+              <a:t>        break</a:t>
+            </a:r>
+          </a:p>
+          <a:p>
+            <a:endParaRPr lang="en-US" sz="1100" b="1" dirty="0"/>
+          </a:p>
+          <a:p>
+            <a:r>
+              <a:rPr lang="en-US" sz="1100" b="1" dirty="0"/>
+              <a:t># </a:t>
+            </a:r>
+            <a:r>
+              <a:rPr lang="fa-IR" sz="1100" b="1" dirty="0"/>
+              <a:t>نمایش پیام پایانی</a:t>
+            </a:r>
+          </a:p>
+          <a:p>
+            <a:r>
+              <a:rPr lang="en-US" sz="1100" b="1" dirty="0"/>
+              <a:t>if </a:t>
+            </a:r>
+            <a:r>
+              <a:rPr lang="en-US" sz="1100" b="1" dirty="0" err="1"/>
+              <a:t>current_state</a:t>
+            </a:r>
+            <a:r>
+              <a:rPr lang="en-US" sz="1100" b="1" dirty="0"/>
+              <a:t> == states[0]:</a:t>
+            </a:r>
+          </a:p>
+          <a:p>
+            <a:r>
+              <a:rPr lang="en-US" sz="1100" b="1" dirty="0"/>
+              <a:t>    print("</a:t>
+            </a:r>
+            <a:r>
+              <a:rPr lang="fa-IR" sz="1100" b="1" dirty="0"/>
+              <a:t>قفل با موفقیت بسته شد.")</a:t>
+            </a:r>
+          </a:p>
+          <a:p>
+            <a:r>
+              <a:rPr lang="en-US" sz="1100" b="1" dirty="0" err="1"/>
+              <a:t>elif</a:t>
+            </a:r>
+            <a:r>
+              <a:rPr lang="en-US" sz="1100" b="1" dirty="0"/>
+              <a:t> </a:t>
+            </a:r>
+            <a:r>
+              <a:rPr lang="en-US" sz="1100" b="1" dirty="0" err="1"/>
+              <a:t>current_state</a:t>
+            </a:r>
+            <a:r>
+              <a:rPr lang="en-US" sz="1100" b="1" dirty="0"/>
+              <a:t> == states[4]:</a:t>
+            </a:r>
+          </a:p>
+          <a:p>
+            <a:r>
+              <a:rPr lang="en-US" sz="1100" b="1" dirty="0"/>
+              <a:t>    print("</a:t>
+            </a:r>
+            <a:r>
+              <a:rPr lang="fa-IR" sz="1100" b="1" dirty="0"/>
+              <a:t>رمز عبور اشتباه است. قفل بسته می‌شود.")</a:t>
+            </a:r>
+            <a:endParaRPr lang="en-US" sz="1100" b="1" dirty="0"/>
           </a:p>
         </p:txBody>
       </p:sp>
